--- a/Calendario2024/Presentaciones/1_IntroduccionRedes.pptx
+++ b/Calendario2024/Presentaciones/1_IntroduccionRedes.pptx
@@ -237,7 +237,7 @@
           <a:p>
             <a:fld id="{2D445F07-8756-451B-A938-0248325FC7BB}" type="datetimeFigureOut">
               <a:rPr lang="es-MX" smtClean="0"/>
-              <a:t>14/05/2023</a:t>
+              <a:t>13/05/2024</a:t>
             </a:fld>
             <a:endParaRPr lang="es-MX" dirty="0"/>
           </a:p>
@@ -396,7 +396,7 @@
           <a:p>
             <a:fld id="{5993AEC0-242E-4FA7-9D3C-51E1036AC3CB}" type="slidenum">
               <a:rPr lang="es-MX" smtClean="0"/>
-              <a:t>‹Nº›</a:t>
+              <a:t>‹#›</a:t>
             </a:fld>
             <a:endParaRPr lang="es-MX" dirty="0"/>
           </a:p>
@@ -2663,7 +2663,7 @@
           <a:p>
             <a:fld id="{5E75A0DC-66C6-4CEC-A5EB-F8C97CEC3796}" type="datetimeFigureOut">
               <a:rPr lang="es-MX" smtClean="0"/>
-              <a:t>14/05/2023</a:t>
+              <a:t>13/05/2024</a:t>
             </a:fld>
             <a:endParaRPr lang="es-MX" dirty="0"/>
           </a:p>
@@ -2705,7 +2705,7 @@
           <a:p>
             <a:fld id="{C077EE1E-7A06-4E7F-9AFB-189FC69B7B0C}" type="slidenum">
               <a:rPr lang="es-MX" smtClean="0"/>
-              <a:t>‹Nº›</a:t>
+              <a:t>‹#›</a:t>
             </a:fld>
             <a:endParaRPr lang="es-MX" dirty="0"/>
           </a:p>
@@ -2833,7 +2833,7 @@
           <a:p>
             <a:fld id="{5E75A0DC-66C6-4CEC-A5EB-F8C97CEC3796}" type="datetimeFigureOut">
               <a:rPr lang="es-MX" smtClean="0"/>
-              <a:t>14/05/2023</a:t>
+              <a:t>13/05/2024</a:t>
             </a:fld>
             <a:endParaRPr lang="es-MX" dirty="0"/>
           </a:p>
@@ -2875,7 +2875,7 @@
           <a:p>
             <a:fld id="{C077EE1E-7A06-4E7F-9AFB-189FC69B7B0C}" type="slidenum">
               <a:rPr lang="es-MX" smtClean="0"/>
-              <a:t>‹Nº›</a:t>
+              <a:t>‹#›</a:t>
             </a:fld>
             <a:endParaRPr lang="es-MX" dirty="0"/>
           </a:p>
@@ -3013,7 +3013,7 @@
           <a:p>
             <a:fld id="{5E75A0DC-66C6-4CEC-A5EB-F8C97CEC3796}" type="datetimeFigureOut">
               <a:rPr lang="es-MX" smtClean="0"/>
-              <a:t>14/05/2023</a:t>
+              <a:t>13/05/2024</a:t>
             </a:fld>
             <a:endParaRPr lang="es-MX" dirty="0"/>
           </a:p>
@@ -3055,7 +3055,7 @@
           <a:p>
             <a:fld id="{C077EE1E-7A06-4E7F-9AFB-189FC69B7B0C}" type="slidenum">
               <a:rPr lang="es-MX" smtClean="0"/>
-              <a:t>‹Nº›</a:t>
+              <a:t>‹#›</a:t>
             </a:fld>
             <a:endParaRPr lang="es-MX" dirty="0"/>
           </a:p>
@@ -3134,7 +3134,7 @@
               <a:pPr defTabSz="385763">
                 <a:defRPr/>
               </a:pPr>
-              <a:t>‹Nº›</a:t>
+              <a:t>‹#›</a:t>
             </a:fld>
             <a:endParaRPr lang="en-US" kern="0" dirty="0">
               <a:solidFill>
@@ -3488,7 +3488,7 @@
           <a:p>
             <a:fld id="{5E75A0DC-66C6-4CEC-A5EB-F8C97CEC3796}" type="datetimeFigureOut">
               <a:rPr lang="es-MX" smtClean="0"/>
-              <a:t>14/05/2023</a:t>
+              <a:t>13/05/2024</a:t>
             </a:fld>
             <a:endParaRPr lang="es-MX" dirty="0"/>
           </a:p>
@@ -3530,7 +3530,7 @@
           <a:p>
             <a:fld id="{C077EE1E-7A06-4E7F-9AFB-189FC69B7B0C}" type="slidenum">
               <a:rPr lang="es-MX" smtClean="0"/>
-              <a:t>‹Nº›</a:t>
+              <a:t>‹#›</a:t>
             </a:fld>
             <a:endParaRPr lang="es-MX" dirty="0"/>
           </a:p>
@@ -3734,7 +3734,7 @@
           <a:p>
             <a:fld id="{5E75A0DC-66C6-4CEC-A5EB-F8C97CEC3796}" type="datetimeFigureOut">
               <a:rPr lang="es-MX" smtClean="0"/>
-              <a:t>14/05/2023</a:t>
+              <a:t>13/05/2024</a:t>
             </a:fld>
             <a:endParaRPr lang="es-MX" dirty="0"/>
           </a:p>
@@ -3776,7 +3776,7 @@
           <a:p>
             <a:fld id="{C077EE1E-7A06-4E7F-9AFB-189FC69B7B0C}" type="slidenum">
               <a:rPr lang="es-MX" smtClean="0"/>
-              <a:t>‹Nº›</a:t>
+              <a:t>‹#›</a:t>
             </a:fld>
             <a:endParaRPr lang="es-MX" dirty="0"/>
           </a:p>
@@ -4022,7 +4022,7 @@
           <a:p>
             <a:fld id="{5E75A0DC-66C6-4CEC-A5EB-F8C97CEC3796}" type="datetimeFigureOut">
               <a:rPr lang="es-MX" smtClean="0"/>
-              <a:t>14/05/2023</a:t>
+              <a:t>13/05/2024</a:t>
             </a:fld>
             <a:endParaRPr lang="es-MX" dirty="0"/>
           </a:p>
@@ -4064,7 +4064,7 @@
           <a:p>
             <a:fld id="{C077EE1E-7A06-4E7F-9AFB-189FC69B7B0C}" type="slidenum">
               <a:rPr lang="es-MX" smtClean="0"/>
-              <a:t>‹Nº›</a:t>
+              <a:t>‹#›</a:t>
             </a:fld>
             <a:endParaRPr lang="es-MX" dirty="0"/>
           </a:p>
@@ -4444,7 +4444,7 @@
           <a:p>
             <a:fld id="{5E75A0DC-66C6-4CEC-A5EB-F8C97CEC3796}" type="datetimeFigureOut">
               <a:rPr lang="es-MX" smtClean="0"/>
-              <a:t>14/05/2023</a:t>
+              <a:t>13/05/2024</a:t>
             </a:fld>
             <a:endParaRPr lang="es-MX" dirty="0"/>
           </a:p>
@@ -4486,7 +4486,7 @@
           <a:p>
             <a:fld id="{C077EE1E-7A06-4E7F-9AFB-189FC69B7B0C}" type="slidenum">
               <a:rPr lang="es-MX" smtClean="0"/>
-              <a:t>‹Nº›</a:t>
+              <a:t>‹#›</a:t>
             </a:fld>
             <a:endParaRPr lang="es-MX" dirty="0"/>
           </a:p>
@@ -4562,7 +4562,7 @@
           <a:p>
             <a:fld id="{5E75A0DC-66C6-4CEC-A5EB-F8C97CEC3796}" type="datetimeFigureOut">
               <a:rPr lang="es-MX" smtClean="0"/>
-              <a:t>14/05/2023</a:t>
+              <a:t>13/05/2024</a:t>
             </a:fld>
             <a:endParaRPr lang="es-MX" dirty="0"/>
           </a:p>
@@ -4604,7 +4604,7 @@
           <a:p>
             <a:fld id="{C077EE1E-7A06-4E7F-9AFB-189FC69B7B0C}" type="slidenum">
               <a:rPr lang="es-MX" smtClean="0"/>
-              <a:t>‹Nº›</a:t>
+              <a:t>‹#›</a:t>
             </a:fld>
             <a:endParaRPr lang="es-MX" dirty="0"/>
           </a:p>
@@ -4657,7 +4657,7 @@
           <a:p>
             <a:fld id="{5E75A0DC-66C6-4CEC-A5EB-F8C97CEC3796}" type="datetimeFigureOut">
               <a:rPr lang="es-MX" smtClean="0"/>
-              <a:t>14/05/2023</a:t>
+              <a:t>13/05/2024</a:t>
             </a:fld>
             <a:endParaRPr lang="es-MX" dirty="0"/>
           </a:p>
@@ -4699,7 +4699,7 @@
           <a:p>
             <a:fld id="{C077EE1E-7A06-4E7F-9AFB-189FC69B7B0C}" type="slidenum">
               <a:rPr lang="es-MX" smtClean="0"/>
-              <a:t>‹Nº›</a:t>
+              <a:t>‹#›</a:t>
             </a:fld>
             <a:endParaRPr lang="es-MX" dirty="0"/>
           </a:p>
@@ -4934,7 +4934,7 @@
           <a:p>
             <a:fld id="{5E75A0DC-66C6-4CEC-A5EB-F8C97CEC3796}" type="datetimeFigureOut">
               <a:rPr lang="es-MX" smtClean="0"/>
-              <a:t>14/05/2023</a:t>
+              <a:t>13/05/2024</a:t>
             </a:fld>
             <a:endParaRPr lang="es-MX" dirty="0"/>
           </a:p>
@@ -4976,7 +4976,7 @@
           <a:p>
             <a:fld id="{C077EE1E-7A06-4E7F-9AFB-189FC69B7B0C}" type="slidenum">
               <a:rPr lang="es-MX" smtClean="0"/>
-              <a:t>‹Nº›</a:t>
+              <a:t>‹#›</a:t>
             </a:fld>
             <a:endParaRPr lang="es-MX" dirty="0"/>
           </a:p>
@@ -5187,7 +5187,7 @@
           <a:p>
             <a:fld id="{5E75A0DC-66C6-4CEC-A5EB-F8C97CEC3796}" type="datetimeFigureOut">
               <a:rPr lang="es-MX" smtClean="0"/>
-              <a:t>14/05/2023</a:t>
+              <a:t>13/05/2024</a:t>
             </a:fld>
             <a:endParaRPr lang="es-MX" dirty="0"/>
           </a:p>
@@ -5229,7 +5229,7 @@
           <a:p>
             <a:fld id="{C077EE1E-7A06-4E7F-9AFB-189FC69B7B0C}" type="slidenum">
               <a:rPr lang="es-MX" smtClean="0"/>
-              <a:t>‹Nº›</a:t>
+              <a:t>‹#›</a:t>
             </a:fld>
             <a:endParaRPr lang="es-MX" dirty="0"/>
           </a:p>
@@ -5400,7 +5400,7 @@
           <a:p>
             <a:fld id="{5E75A0DC-66C6-4CEC-A5EB-F8C97CEC3796}" type="datetimeFigureOut">
               <a:rPr lang="es-MX" smtClean="0"/>
-              <a:t>14/05/2023</a:t>
+              <a:t>13/05/2024</a:t>
             </a:fld>
             <a:endParaRPr lang="es-MX" dirty="0"/>
           </a:p>
@@ -5478,7 +5478,7 @@
           <a:p>
             <a:fld id="{C077EE1E-7A06-4E7F-9AFB-189FC69B7B0C}" type="slidenum">
               <a:rPr lang="es-MX" smtClean="0"/>
-              <a:t>‹Nº›</a:t>
+              <a:t>‹#›</a:t>
             </a:fld>
             <a:endParaRPr lang="es-MX" dirty="0"/>
           </a:p>
@@ -11600,7 +11600,7 @@
               <a:rPr lang="es-MX" sz="1600" dirty="0">
                 <a:latin typeface="ZapfHumnst BT"/>
               </a:rPr>
-              <a:t>En cualquier instante de tiempo BitTorrent tiene, en promedio, más usuarios activos que YouTube y Facebook juntos.  El protocolo BitTorrent mueve hasta el 40% del tráfico mundial de Internet diariamente.</a:t>
+              <a:t>En cualquier instante de tiempo BitTorrent tiene, en promedio, más usuarios activos que YouTube y Facebook juntos. El protocolo BitTorrent mueve hasta el 40% del tráfico mundial de Internet diariamente.</a:t>
             </a:r>
             <a:endParaRPr lang="es-ES" sz="1600" dirty="0">
               <a:latin typeface="ZapfHumnst BT"/>
@@ -20976,7 +20976,7 @@
         <p:spPr bwMode="auto">
           <a:xfrm>
             <a:off x="925996" y="1261680"/>
-            <a:ext cx="7344816" cy="1754326"/>
+            <a:ext cx="7344816" cy="1295868"/>
           </a:xfrm>
           <a:prstGeom prst="rect">
             <a:avLst/>
@@ -21125,7 +21125,7 @@
                 </a:solidFill>
                 <a:latin typeface="+mn-lt"/>
               </a:rPr>
-              <a:t>Se utiliza para conectar entre sí dispositivos personales, como computadoras, teléfonos celulares, tablets, puntos de acceso a Internet, impresoras, auriculares, asistentes digitales personales (PDA), dispositivos de audio, etc.</a:t>
+              <a:t>Se utiliza para conectar entre sí dispositivos personales, como computadoras, teléfonos celulares, tablets, puntos de acceso a Internet, impresoras, auriculares, dispositivos de audio, etc.</a:t>
             </a:r>
           </a:p>
         </p:txBody>
@@ -21140,7 +21140,7 @@
         </p:nvSpPr>
         <p:spPr>
           <a:xfrm>
-            <a:off x="668379" y="5237040"/>
+            <a:off x="683568" y="5046622"/>
             <a:ext cx="3831613" cy="894744"/>
           </a:xfrm>
           <a:prstGeom prst="rect">
@@ -21248,7 +21248,7 @@
         </p:nvSpPr>
         <p:spPr>
           <a:xfrm>
-            <a:off x="668379" y="4328847"/>
+            <a:off x="683568" y="4138429"/>
             <a:ext cx="4191653" cy="900353"/>
           </a:xfrm>
           <a:prstGeom prst="rect">
@@ -21348,7 +21348,7 @@
         </p:nvSpPr>
         <p:spPr>
           <a:xfrm>
-            <a:off x="668379" y="3043354"/>
+            <a:off x="683568" y="2852936"/>
             <a:ext cx="4191653" cy="1537774"/>
           </a:xfrm>
           <a:prstGeom prst="rect">
@@ -22083,8 +22083,8 @@
         </p:nvSpPr>
         <p:spPr>
           <a:xfrm>
-            <a:off x="623494" y="3978463"/>
-            <a:ext cx="3672408" cy="1257019"/>
+            <a:off x="623493" y="3978463"/>
+            <a:ext cx="4362487" cy="1257019"/>
           </a:xfrm>
           <a:prstGeom prst="rect">
             <a:avLst/>
@@ -22165,7 +22165,7 @@
         </p:nvSpPr>
         <p:spPr>
           <a:xfrm>
-            <a:off x="610851" y="5172950"/>
+            <a:off x="602686" y="4809499"/>
             <a:ext cx="7938628" cy="1049250"/>
           </a:xfrm>
           <a:prstGeom prst="rect">
